--- a/lecture-slides_upload/lecture/05_Statistical Methods_Association Between Groups_update2022.pptx
+++ b/lecture-slides_upload/lecture/05_Statistical Methods_Association Between Groups_update2022.pptx
@@ -227,7 +227,7 @@
           <a:p>
             <a:fld id="{6A4B1ABF-BAF2-0E4B-88A8-8F2BBF0074AC}" type="datetimeFigureOut">
               <a:rPr lang="en-US" smtClean="0"/>
-              <a:t>10/5/22</a:t>
+              <a:t>2/15/24</a:t>
             </a:fld>
             <a:endParaRPr lang="en-US"/>
           </a:p>
@@ -1243,7 +1243,7 @@
           <a:p>
             <a:fld id="{BA763BF8-AC66-E249-9CE8-8353EEB16B82}" type="datetimeFigureOut">
               <a:rPr lang="en-US" smtClean="0"/>
-              <a:t>10/5/22</a:t>
+              <a:t>2/15/24</a:t>
             </a:fld>
             <a:endParaRPr lang="en-US"/>
           </a:p>
@@ -1445,7 +1445,7 @@
           <a:p>
             <a:fld id="{BA763BF8-AC66-E249-9CE8-8353EEB16B82}" type="datetimeFigureOut">
               <a:rPr lang="en-US" smtClean="0"/>
-              <a:t>10/5/22</a:t>
+              <a:t>2/15/24</a:t>
             </a:fld>
             <a:endParaRPr lang="en-US"/>
           </a:p>
@@ -1653,7 +1653,7 @@
           <a:p>
             <a:fld id="{BA763BF8-AC66-E249-9CE8-8353EEB16B82}" type="datetimeFigureOut">
               <a:rPr lang="en-US" smtClean="0"/>
-              <a:t>10/5/22</a:t>
+              <a:t>2/15/24</a:t>
             </a:fld>
             <a:endParaRPr lang="en-US"/>
           </a:p>
@@ -1855,7 +1855,7 @@
           <a:p>
             <a:fld id="{BA763BF8-AC66-E249-9CE8-8353EEB16B82}" type="datetimeFigureOut">
               <a:rPr lang="en-US" smtClean="0"/>
-              <a:t>10/5/22</a:t>
+              <a:t>2/15/24</a:t>
             </a:fld>
             <a:endParaRPr lang="en-US"/>
           </a:p>
@@ -2130,7 +2130,7 @@
           <a:p>
             <a:fld id="{BA763BF8-AC66-E249-9CE8-8353EEB16B82}" type="datetimeFigureOut">
               <a:rPr lang="en-US" smtClean="0"/>
-              <a:t>10/5/22</a:t>
+              <a:t>2/15/24</a:t>
             </a:fld>
             <a:endParaRPr lang="en-US"/>
           </a:p>
@@ -2399,7 +2399,7 @@
           <a:p>
             <a:fld id="{BA763BF8-AC66-E249-9CE8-8353EEB16B82}" type="datetimeFigureOut">
               <a:rPr lang="en-US" smtClean="0"/>
-              <a:t>10/5/22</a:t>
+              <a:t>2/15/24</a:t>
             </a:fld>
             <a:endParaRPr lang="en-US"/>
           </a:p>
@@ -2815,7 +2815,7 @@
           <a:p>
             <a:fld id="{BA763BF8-AC66-E249-9CE8-8353EEB16B82}" type="datetimeFigureOut">
               <a:rPr lang="en-US" smtClean="0"/>
-              <a:t>10/5/22</a:t>
+              <a:t>2/15/24</a:t>
             </a:fld>
             <a:endParaRPr lang="en-US"/>
           </a:p>
@@ -2960,7 +2960,7 @@
           <a:p>
             <a:fld id="{BA763BF8-AC66-E249-9CE8-8353EEB16B82}" type="datetimeFigureOut">
               <a:rPr lang="en-US" smtClean="0"/>
-              <a:t>10/5/22</a:t>
+              <a:t>2/15/24</a:t>
             </a:fld>
             <a:endParaRPr lang="en-US"/>
           </a:p>
@@ -3073,7 +3073,7 @@
           <a:p>
             <a:fld id="{BA763BF8-AC66-E249-9CE8-8353EEB16B82}" type="datetimeFigureOut">
               <a:rPr lang="en-US" smtClean="0"/>
-              <a:t>10/5/22</a:t>
+              <a:t>2/15/24</a:t>
             </a:fld>
             <a:endParaRPr lang="en-US"/>
           </a:p>
@@ -3384,7 +3384,7 @@
           <a:p>
             <a:fld id="{BA763BF8-AC66-E249-9CE8-8353EEB16B82}" type="datetimeFigureOut">
               <a:rPr lang="en-US" smtClean="0"/>
-              <a:t>10/5/22</a:t>
+              <a:t>2/15/24</a:t>
             </a:fld>
             <a:endParaRPr lang="en-US"/>
           </a:p>
@@ -3672,7 +3672,7 @@
           <a:p>
             <a:fld id="{BA763BF8-AC66-E249-9CE8-8353EEB16B82}" type="datetimeFigureOut">
               <a:rPr lang="en-US" smtClean="0"/>
-              <a:t>10/5/22</a:t>
+              <a:t>2/15/24</a:t>
             </a:fld>
             <a:endParaRPr lang="en-US"/>
           </a:p>
@@ -3916,7 +3916,7 @@
             <a:fld id="{BA763BF8-AC66-E249-9CE8-8353EEB16B82}" type="datetimeFigureOut">
               <a:rPr lang="en-US" smtClean="0"/>
               <a:pPr/>
-              <a:t>10/5/22</a:t>
+              <a:t>2/15/24</a:t>
             </a:fld>
             <a:endParaRPr lang="en-US"/>
           </a:p>
@@ -4384,17 +4384,6 @@
           <a:p>
             <a:r>
               <a:rPr lang="en-GB" dirty="0"/>
-              <a:t>Vanessa </a:t>
-            </a:r>
-            <a:r>
-              <a:rPr lang="en-GB" dirty="0" err="1"/>
-              <a:t>LoBue</a:t>
-            </a:r>
-            <a:endParaRPr lang="en-GB" dirty="0"/>
-          </a:p>
-          <a:p>
-            <a:r>
-              <a:rPr lang="en-GB" dirty="0"/>
               <a:t>Jamil </a:t>
             </a:r>
             <a:r>
@@ -4406,7 +4395,15 @@
           <a:p>
             <a:r>
               <a:rPr lang="en-GB" dirty="0"/>
-              <a:t>with a little help from Andy Field</a:t>
+              <a:t>with help from Vanessa </a:t>
+            </a:r>
+            <a:r>
+              <a:rPr lang="en-GB" dirty="0" err="1"/>
+              <a:t>Lobue</a:t>
+            </a:r>
+            <a:r>
+              <a:rPr lang="en-GB" dirty="0"/>
+              <a:t> and Andy Field</a:t>
             </a:r>
           </a:p>
         </p:txBody>
@@ -7276,7 +7273,7 @@
             </a:r>
             <a:r>
               <a:rPr lang="en-US" sz="2400" dirty="0" err="1"/>
-              <a:t>assocation</a:t>
+              <a:t>assiocation</a:t>
             </a:r>
             <a:r>
               <a:rPr lang="en-US" sz="2400" dirty="0"/>
